--- a/materials/slides/ch02-slide-Spring-Bean's-Lifecycle.pptx
+++ b/materials/slides/ch02-slide-Spring-Bean's-Lifecycle.pptx
@@ -3322,7 +3322,7 @@
                 <a:ea typeface="+mn-ea"/>
                 <a:cs typeface="+mn-cs"/>
               </a:rPr>
-              <a:t>2018/3/4</a:t>
+              <a:t>2020/2/7</a:t>
             </a:fld>
             <a:endParaRPr kumimoji="0" lang="zh-CN" altLang="en-US" sz="1800" b="0" i="0" u="none" strike="noStrike" kern="1200" cap="none" spc="0" normalizeH="0" baseline="0" noProof="0">
               <a:ln>
@@ -6437,6 +6437,92 @@
           </a:ln>
         </p:spPr>
       </p:pic>
+      <p:sp>
+        <p:nvSpPr>
+          <p:cNvPr id="15" name="文本框 14"/>
+          <p:cNvSpPr txBox="1"/>
+          <p:nvPr/>
+        </p:nvSpPr>
+        <p:spPr>
+          <a:xfrm>
+            <a:off x="5665788" y="4262438"/>
+            <a:ext cx="6037262" cy="369887"/>
+          </a:xfrm>
+          <a:prstGeom prst="rect">
+            <a:avLst/>
+          </a:prstGeom>
+          <a:noFill/>
+          <a:ln w="9525">
+            <a:noFill/>
+          </a:ln>
+        </p:spPr>
+        <p:txBody>
+          <a:bodyPr>
+            <a:spAutoFit/>
+          </a:bodyPr>
+          <a:lstStyle/>
+          <a:p>
+            <a:pPr lvl="0" algn="r" eaLnBrk="1" hangingPunct="1"/>
+            <a:r>
+              <a:rPr lang="en-US" altLang="zh-CN" b="1" dirty="0" smtClean="0">
+                <a:solidFill>
+                  <a:srgbClr val="006A32"/>
+                </a:solidFill>
+                <a:latin typeface="微软雅黑" panose="020B0503020204020204" pitchFamily="34" charset="-122"/>
+                <a:ea typeface="微软雅黑" panose="020B0503020204020204" pitchFamily="34" charset="-122"/>
+              </a:rPr>
+              <a:t>Java</a:t>
+            </a:r>
+            <a:r>
+              <a:rPr lang="zh-CN" altLang="en-US" b="1" dirty="0" smtClean="0">
+                <a:solidFill>
+                  <a:srgbClr val="006A32"/>
+                </a:solidFill>
+                <a:latin typeface="微软雅黑" panose="020B0503020204020204" pitchFamily="34" charset="-122"/>
+                <a:ea typeface="微软雅黑" panose="020B0503020204020204" pitchFamily="34" charset="-122"/>
+              </a:rPr>
+              <a:t> </a:t>
+            </a:r>
+            <a:r>
+              <a:rPr lang="en-US" altLang="zh-CN" b="1" dirty="0" smtClean="0">
+                <a:solidFill>
+                  <a:srgbClr val="006A32"/>
+                </a:solidFill>
+                <a:latin typeface="微软雅黑" panose="020B0503020204020204" pitchFamily="34" charset="-122"/>
+                <a:ea typeface="微软雅黑" panose="020B0503020204020204" pitchFamily="34" charset="-122"/>
+              </a:rPr>
+              <a:t>/ </a:t>
+            </a:r>
+            <a:r>
+              <a:rPr lang="zh-CN" altLang="en-US" b="1" dirty="0" smtClean="0">
+                <a:solidFill>
+                  <a:srgbClr val="006A32"/>
+                </a:solidFill>
+                <a:latin typeface="微软雅黑" panose="020B0503020204020204" pitchFamily="34" charset="-122"/>
+                <a:ea typeface="微软雅黑" panose="020B0503020204020204" pitchFamily="34" charset="-122"/>
+              </a:rPr>
+              <a:t>王伟</a:t>
+            </a:r>
+            <a:r>
+              <a:rPr lang="en-US" altLang="zh-CN" b="1" dirty="0" smtClean="0">
+                <a:solidFill>
+                  <a:srgbClr val="006A32"/>
+                </a:solidFill>
+                <a:latin typeface="微软雅黑" panose="020B0503020204020204" pitchFamily="34" charset="-122"/>
+                <a:ea typeface="微软雅黑" panose="020B0503020204020204" pitchFamily="34" charset="-122"/>
+              </a:rPr>
+              <a:t> </a:t>
+            </a:r>
+            <a:endParaRPr lang="zh-CN" altLang="en-US" b="1" dirty="0">
+              <a:solidFill>
+                <a:srgbClr val="006A32"/>
+              </a:solidFill>
+              <a:latin typeface="微软雅黑" panose="020B0503020204020204" pitchFamily="34" charset="-122"/>
+              <a:ea typeface="微软雅黑" panose="020B0503020204020204" pitchFamily="34" charset="-122"/>
+            </a:endParaRPr>
+          </a:p>
+        </p:txBody>
+      </p:sp>
       <p:pic>
         <p:nvPicPr>
           <p:cNvPr id="17" name="图片 16"/>
@@ -7154,14 +7240,168 @@
                             </p:stCondLst>
                             <p:childTnLst>
                               <p:par>
-                                <p:cTn id="33" presetID="53" presetClass="entr" presetSubtype="16" fill="hold" nodeType="afterEffect">
+                                <p:cTn id="33" presetID="41" presetClass="entr" presetSubtype="0" fill="hold" grpId="0" nodeType="afterEffect">
+                                  <p:stCondLst>
+                                    <p:cond delay="0"/>
+                                  </p:stCondLst>
+                                  <p:iterate type="lt">
+                                    <p:tmPct val="10000"/>
+                                  </p:iterate>
+                                  <p:childTnLst>
+                                    <p:set>
+                                      <p:cBhvr>
+                                        <p:cTn id="34" dur="1" fill="hold">
+                                          <p:stCondLst>
+                                            <p:cond delay="0"/>
+                                          </p:stCondLst>
+                                        </p:cTn>
+                                        <p:tgtEl>
+                                          <p:spTgt spid="15"/>
+                                        </p:tgtEl>
+                                        <p:attrNameLst>
+                                          <p:attrName>style.visibility</p:attrName>
+                                        </p:attrNameLst>
+                                      </p:cBhvr>
+                                      <p:to>
+                                        <p:strVal val="visible"/>
+                                      </p:to>
+                                    </p:set>
+                                    <p:anim calcmode="lin" valueType="num">
+                                      <p:cBhvr>
+                                        <p:cTn id="35" dur="500" fill="hold"/>
+                                        <p:tgtEl>
+                                          <p:spTgt spid="15"/>
+                                        </p:tgtEl>
+                                        <p:attrNameLst>
+                                          <p:attrName>ppt_x</p:attrName>
+                                        </p:attrNameLst>
+                                      </p:cBhvr>
+                                      <p:tavLst>
+                                        <p:tav tm="0">
+                                          <p:val>
+                                            <p:strVal val="#ppt_x"/>
+                                          </p:val>
+                                        </p:tav>
+                                        <p:tav tm="50000">
+                                          <p:val>
+                                            <p:strVal val="#ppt_x+.1"/>
+                                          </p:val>
+                                        </p:tav>
+                                        <p:tav tm="100000">
+                                          <p:val>
+                                            <p:strVal val="#ppt_x"/>
+                                          </p:val>
+                                        </p:tav>
+                                      </p:tavLst>
+                                    </p:anim>
+                                    <p:anim calcmode="lin" valueType="num">
+                                      <p:cBhvr>
+                                        <p:cTn id="36" dur="500" fill="hold"/>
+                                        <p:tgtEl>
+                                          <p:spTgt spid="15"/>
+                                        </p:tgtEl>
+                                        <p:attrNameLst>
+                                          <p:attrName>ppt_y</p:attrName>
+                                        </p:attrNameLst>
+                                      </p:cBhvr>
+                                      <p:tavLst>
+                                        <p:tav tm="0">
+                                          <p:val>
+                                            <p:strVal val="#ppt_y"/>
+                                          </p:val>
+                                        </p:tav>
+                                        <p:tav tm="100000">
+                                          <p:val>
+                                            <p:strVal val="#ppt_y"/>
+                                          </p:val>
+                                        </p:tav>
+                                      </p:tavLst>
+                                    </p:anim>
+                                    <p:anim calcmode="lin" valueType="num">
+                                      <p:cBhvr>
+                                        <p:cTn id="37" dur="500" fill="hold"/>
+                                        <p:tgtEl>
+                                          <p:spTgt spid="15"/>
+                                        </p:tgtEl>
+                                        <p:attrNameLst>
+                                          <p:attrName>ppt_h</p:attrName>
+                                        </p:attrNameLst>
+                                      </p:cBhvr>
+                                      <p:tavLst>
+                                        <p:tav tm="0">
+                                          <p:val>
+                                            <p:strVal val="#ppt_h/10"/>
+                                          </p:val>
+                                        </p:tav>
+                                        <p:tav tm="50000">
+                                          <p:val>
+                                            <p:strVal val="#ppt_h+.01"/>
+                                          </p:val>
+                                        </p:tav>
+                                        <p:tav tm="100000">
+                                          <p:val>
+                                            <p:strVal val="#ppt_h"/>
+                                          </p:val>
+                                        </p:tav>
+                                      </p:tavLst>
+                                    </p:anim>
+                                    <p:anim calcmode="lin" valueType="num">
+                                      <p:cBhvr>
+                                        <p:cTn id="38" dur="500" fill="hold"/>
+                                        <p:tgtEl>
+                                          <p:spTgt spid="15"/>
+                                        </p:tgtEl>
+                                        <p:attrNameLst>
+                                          <p:attrName>ppt_w</p:attrName>
+                                        </p:attrNameLst>
+                                      </p:cBhvr>
+                                      <p:tavLst>
+                                        <p:tav tm="0">
+                                          <p:val>
+                                            <p:strVal val="#ppt_w/10"/>
+                                          </p:val>
+                                        </p:tav>
+                                        <p:tav tm="50000">
+                                          <p:val>
+                                            <p:strVal val="#ppt_w+.01"/>
+                                          </p:val>
+                                        </p:tav>
+                                        <p:tav tm="100000">
+                                          <p:val>
+                                            <p:strVal val="#ppt_w"/>
+                                          </p:val>
+                                        </p:tav>
+                                      </p:tavLst>
+                                    </p:anim>
+                                    <p:animEffect transition="in" filter="fade">
+                                      <p:cBhvr>
+                                        <p:cTn id="39" dur="500" tmFilter="0,0; .5, 1; 1, 1"/>
+                                        <p:tgtEl>
+                                          <p:spTgt spid="15"/>
+                                        </p:tgtEl>
+                                      </p:cBhvr>
+                                    </p:animEffect>
+                                  </p:childTnLst>
+                                </p:cTn>
+                              </p:par>
+                            </p:childTnLst>
+                          </p:cTn>
+                        </p:par>
+                        <p:par>
+                          <p:cTn id="40" fill="hold">
+                            <p:stCondLst>
+                              <p:cond delay="2750"/>
+                            </p:stCondLst>
+                            <p:childTnLst>
+                              <p:par>
+                                <p:cTn id="41" presetID="53" presetClass="entr" presetSubtype="16" fill="hold" nodeType="afterEffect">
                                   <p:stCondLst>
                                     <p:cond delay="0"/>
                                   </p:stCondLst>
                                   <p:childTnLst>
                                     <p:set>
                                       <p:cBhvr>
-                                        <p:cTn id="34" dur="1" fill="hold">
+                                        <p:cTn id="42" dur="1" fill="hold">
                                           <p:stCondLst>
                                             <p:cond delay="0"/>
                                           </p:stCondLst>
@@ -7179,7 +7419,7 @@
                                     </p:set>
                                     <p:anim calcmode="lin" valueType="num">
                                       <p:cBhvr>
-                                        <p:cTn id="35" dur="500" fill="hold"/>
+                                        <p:cTn id="43" dur="500" fill="hold"/>
                                         <p:tgtEl>
                                           <p:spTgt spid="3"/>
                                         </p:tgtEl>
@@ -7202,7 +7442,7 @@
                                     </p:anim>
                                     <p:anim calcmode="lin" valueType="num">
                                       <p:cBhvr>
-                                        <p:cTn id="36" dur="500" fill="hold"/>
+                                        <p:cTn id="44" dur="500" fill="hold"/>
                                         <p:tgtEl>
                                           <p:spTgt spid="3"/>
                                         </p:tgtEl>
@@ -7225,7 +7465,7 @@
                                     </p:anim>
                                     <p:animEffect transition="in" filter="fade">
                                       <p:cBhvr>
-                                        <p:cTn id="37" dur="500"/>
+                                        <p:cTn id="45" dur="500"/>
                                         <p:tgtEl>
                                           <p:spTgt spid="3"/>
                                         </p:tgtEl>
@@ -7263,6 +7503,7 @@
     </p:tnLst>
     <p:bldLst>
       <p:bldP spid="11" grpId="0"/>
+      <p:bldP spid="15" grpId="0"/>
       <p:bldP spid="5" grpId="0"/>
     </p:bldLst>
   </p:timing>
@@ -21853,7 +22094,7 @@
       </p:pic>
       <p:pic>
         <p:nvPicPr>
-          <p:cNvPr id="4" name="图片 3"/>
+          <p:cNvPr id="2" name="图片 1"/>
           <p:cNvPicPr>
             <a:picLocks noChangeAspect="1"/>
           </p:cNvPicPr>
@@ -21867,8 +22108,8 @@
         </p:blipFill>
         <p:spPr>
           <a:xfrm>
-            <a:off x="3361094" y="4708916"/>
-            <a:ext cx="8019048" cy="1552381"/>
+            <a:off x="2897387" y="4708916"/>
+            <a:ext cx="8681606" cy="1497920"/>
           </a:xfrm>
           <a:prstGeom prst="rect">
             <a:avLst/>
@@ -23291,7 +23532,11 @@
           <a:p>
             <a:r>
               <a:rPr lang="zh-CN" altLang="en-US" dirty="0" smtClean="0"/>
-              <a:t>我们还可以使用</a:t>
+              <a:t>我们还可以</a:t>
+            </a:r>
+            <a:r>
+              <a:rPr lang="zh-CN" altLang="en-US" dirty="0" smtClean="0"/>
+              <a:t>使用</a:t>
             </a:r>
             <a:r>
               <a:rPr lang="en-US" altLang="zh-CN" dirty="0" smtClean="0"/>

--- a/materials/slides/ch02-slide-Spring-Bean's-Lifecycle.pptx
+++ b/materials/slides/ch02-slide-Spring-Bean's-Lifecycle.pptx
@@ -3322,7 +3322,7 @@
                 <a:ea typeface="+mn-ea"/>
                 <a:cs typeface="+mn-cs"/>
               </a:rPr>
-              <a:t>2020/2/7</a:t>
+              <a:t>2020/2/18</a:t>
             </a:fld>
             <a:endParaRPr kumimoji="0" lang="zh-CN" altLang="en-US" sz="1800" b="0" i="0" u="none" strike="noStrike" kern="1200" cap="none" spc="0" normalizeH="0" baseline="0" noProof="0">
               <a:ln>
@@ -11572,7 +11572,7 @@
           <p:nvPr>
             <p:extLst>
               <p:ext uri="{D42A27DB-BD31-4B8C-83A1-F6EECF244321}">
-                <p14:modId xmlns:p14="http://schemas.microsoft.com/office/powerpoint/2010/main" val="3949808606"/>
+                <p14:modId xmlns:p14="http://schemas.microsoft.com/office/powerpoint/2010/main" val="3153382063"/>
               </p:ext>
             </p:extLst>
           </p:nvPr>
@@ -12153,21 +12153,7 @@
                           <a:latin typeface="Calibri" pitchFamily="34" charset="0"/>
                           <a:ea typeface="宋体" pitchFamily="2" charset="-122"/>
                         </a:rPr>
-                        <a:t>3.设置Bean名称，Bean工厂，</a:t>
-                      </a:r>
-                      <a:r>
-                        <a:rPr kumimoji="0" lang="zh-CN" altLang="en-US" sz="1800" b="0" i="1" u="none" strike="noStrike" cap="none" normalizeH="0" baseline="0" dirty="0" smtClean="0">
-                          <a:ln>
-                            <a:noFill/>
-                          </a:ln>
-                          <a:solidFill>
-                            <a:schemeClr val="tx1"/>
-                          </a:solidFill>
-                          <a:effectLst/>
-                          <a:latin typeface="Calibri" pitchFamily="34" charset="0"/>
-                          <a:ea typeface="宋体" pitchFamily="2" charset="-122"/>
-                        </a:rPr>
-                        <a:t>应用上下文</a:t>
+                        <a:t>3.设置Bean名称，Bean工厂，应用上下文</a:t>
                       </a:r>
                     </a:p>
                   </a:txBody>
@@ -23532,11 +23518,7 @@
           <a:p>
             <a:r>
               <a:rPr lang="zh-CN" altLang="en-US" dirty="0" smtClean="0"/>
-              <a:t>我们还可以</a:t>
-            </a:r>
-            <a:r>
-              <a:rPr lang="zh-CN" altLang="en-US" dirty="0" smtClean="0"/>
-              <a:t>使用</a:t>
+              <a:t>我们还可以使用</a:t>
             </a:r>
             <a:r>
               <a:rPr lang="en-US" altLang="zh-CN" dirty="0" smtClean="0"/>
@@ -34386,9 +34368,38 @@
               </a:lnSpc>
             </a:pPr>
             <a:r>
-              <a:rPr lang="zh-CN" altLang="en-US" dirty="0"/>
-              <a:t>&lt;property name="location" value="jdbc.properties"/&gt;</a:t>
-            </a:r>
+              <a:rPr lang="en-US" altLang="zh-CN" dirty="0">
+                <a:latin typeface="+mn-ea"/>
+              </a:rPr>
+              <a:t>&lt;</a:t>
+            </a:r>
+            <a:r>
+              <a:rPr lang="en-US" altLang="zh-CN" dirty="0" err="1">
+                <a:latin typeface="+mn-ea"/>
+              </a:rPr>
+              <a:t>context:property-placeholder</a:t>
+            </a:r>
+            <a:r>
+              <a:rPr lang="en-US" altLang="zh-CN" dirty="0">
+                <a:latin typeface="+mn-ea"/>
+              </a:rPr>
+              <a:t> location="</a:t>
+            </a:r>
+            <a:r>
+              <a:rPr lang="en-US" altLang="zh-CN" dirty="0" err="1">
+                <a:latin typeface="+mn-ea"/>
+              </a:rPr>
+              <a:t>jdbc.properties</a:t>
+            </a:r>
+            <a:r>
+              <a:rPr lang="en-US" altLang="zh-CN" dirty="0">
+                <a:latin typeface="+mn-ea"/>
+              </a:rPr>
+              <a:t>"/&gt;</a:t>
+            </a:r>
+            <a:endParaRPr lang="zh-CN" altLang="en-US" dirty="0" smtClean="0">
+              <a:latin typeface="+mn-ea"/>
+            </a:endParaRPr>
           </a:p>
           <a:p>
             <a:pPr lvl="1">
@@ -34397,65 +34408,12 @@
               </a:lnSpc>
             </a:pPr>
             <a:r>
+              <a:rPr lang="zh-CN" altLang="en-US" dirty="0" smtClean="0"/>
+              <a:t>使用</a:t>
+            </a:r>
+            <a:r>
               <a:rPr lang="zh-CN" altLang="en-US" dirty="0"/>
-              <a:t>处理多个属性文件用locations属性指定list</a:t>
-            </a:r>
-          </a:p>
-          <a:p>
-            <a:pPr lvl="2">
-              <a:lnSpc>
-                <a:spcPct val="80000"/>
-              </a:lnSpc>
-            </a:pPr>
-            <a:r>
-              <a:rPr lang="zh-CN" altLang="en-US" dirty="0"/>
-              <a:t>&lt;property name="locations"&gt;</a:t>
-            </a:r>
-            <a:br>
-              <a:rPr lang="zh-CN" altLang="en-US" dirty="0"/>
-            </a:br>
-            <a:r>
-              <a:rPr lang="zh-CN" altLang="en-US" dirty="0"/>
-              <a:t>  &lt;list&gt;</a:t>
-            </a:r>
-            <a:br>
-              <a:rPr lang="zh-CN" altLang="en-US" dirty="0"/>
-            </a:br>
-            <a:r>
-              <a:rPr lang="zh-CN" altLang="en-US" dirty="0"/>
-              <a:t>    &lt;value&gt;aa.properties&lt;/value&gt;</a:t>
-            </a:r>
-            <a:br>
-              <a:rPr lang="zh-CN" altLang="en-US" dirty="0"/>
-            </a:br>
-            <a:r>
-              <a:rPr lang="zh-CN" altLang="en-US" dirty="0"/>
-              <a:t>    &lt;value&gt;bb.properties&lt;/value&gt;</a:t>
-            </a:r>
-            <a:br>
-              <a:rPr lang="zh-CN" altLang="en-US" dirty="0"/>
-            </a:br>
-            <a:r>
-              <a:rPr lang="zh-CN" altLang="en-US" dirty="0"/>
-              <a:t>  &lt;/list&gt;</a:t>
-            </a:r>
-            <a:br>
-              <a:rPr lang="zh-CN" altLang="en-US" dirty="0"/>
-            </a:br>
-            <a:r>
-              <a:rPr lang="zh-CN" altLang="en-US" dirty="0"/>
-              <a:t>&lt;/property&gt;</a:t>
-            </a:r>
-          </a:p>
-          <a:p>
-            <a:pPr lvl="1">
-              <a:lnSpc>
-                <a:spcPct val="80000"/>
-              </a:lnSpc>
-            </a:pPr>
-            <a:r>
-              <a:rPr lang="zh-CN" altLang="en-US" dirty="0"/>
-              <a:t>使用${xxx.bbb}来获取值</a:t>
+              <a:t>${xxx.bbb}来获取值</a:t>
             </a:r>
           </a:p>
           <a:p>
